--- a/doc/互联网感知方案介绍.pptx
+++ b/doc/互联网感知方案介绍.pptx
@@ -116,7 +116,7 @@
   </p:defaultTextStyle>
   <p:extLst>
     <p:ext uri="{EFAFB233-063F-42B5-8137-9DF3F51BA10A}">
-      <p15:sldGuideLst xmlns:p15="http://schemas.microsoft.com/office/powerpoint/2012/main"/>
+      <p15:sldGuideLst xmlns:p15="http://schemas.microsoft.com/office/powerpoint/2012/main" xmlns=""/>
     </p:ext>
   </p:extLst>
 </p:presentation>
@@ -204,7 +204,8 @@
           <a:p>
             <a:fld id="{E86A3B32-6CC7-4EAF-AFF5-1BF9E3F074EF}" type="datetimeFigureOut">
               <a:rPr lang="zh-CN" altLang="en-US" smtClean="0"/>
-              <a:t>2017/3/20</a:t>
+              <a:pPr/>
+              <a:t>2017/4/11</a:t>
             </a:fld>
             <a:endParaRPr lang="zh-CN" altLang="en-US"/>
           </a:p>
@@ -362,6 +363,7 @@
           <a:p>
             <a:fld id="{07DD5DF5-A9FE-43FD-BE9F-4130C1F7C399}" type="slidenum">
               <a:rPr lang="zh-CN" altLang="en-US" smtClean="0"/>
+              <a:pPr/>
               <a:t>‹#›</a:t>
             </a:fld>
             <a:endParaRPr lang="zh-CN" altLang="en-US"/>
@@ -371,7 +373,7 @@
     </p:spTree>
     <p:extLst>
       <p:ext uri="{BB962C8B-B14F-4D97-AF65-F5344CB8AC3E}">
-        <p14:creationId xmlns:p14="http://schemas.microsoft.com/office/powerpoint/2010/main" val="2294415035"/>
+        <p14:creationId xmlns:p14="http://schemas.microsoft.com/office/powerpoint/2010/main" xmlns="" val="2294415035"/>
       </p:ext>
     </p:extLst>
   </p:cSld>
@@ -536,6 +538,7 @@
           <a:p>
             <a:fld id="{07DD5DF5-A9FE-43FD-BE9F-4130C1F7C399}" type="slidenum">
               <a:rPr lang="zh-CN" altLang="en-US" smtClean="0"/>
+              <a:pPr/>
               <a:t>2</a:t>
             </a:fld>
             <a:endParaRPr lang="zh-CN" altLang="en-US"/>
@@ -545,7 +548,7 @@
     </p:spTree>
     <p:extLst>
       <p:ext uri="{BB962C8B-B14F-4D97-AF65-F5344CB8AC3E}">
-        <p14:creationId xmlns:p14="http://schemas.microsoft.com/office/powerpoint/2010/main" val="2014955397"/>
+        <p14:creationId xmlns:p14="http://schemas.microsoft.com/office/powerpoint/2010/main" xmlns="" val="2014955397"/>
       </p:ext>
     </p:extLst>
   </p:cSld>
@@ -620,6 +623,7 @@
           <a:p>
             <a:fld id="{07DD5DF5-A9FE-43FD-BE9F-4130C1F7C399}" type="slidenum">
               <a:rPr lang="zh-CN" altLang="en-US" smtClean="0"/>
+              <a:pPr/>
               <a:t>7</a:t>
             </a:fld>
             <a:endParaRPr lang="zh-CN" altLang="en-US"/>
@@ -629,7 +633,7 @@
     </p:spTree>
     <p:extLst>
       <p:ext uri="{BB962C8B-B14F-4D97-AF65-F5344CB8AC3E}">
-        <p14:creationId xmlns:p14="http://schemas.microsoft.com/office/powerpoint/2010/main" val="2790168975"/>
+        <p14:creationId xmlns:p14="http://schemas.microsoft.com/office/powerpoint/2010/main" xmlns="" val="2790168975"/>
       </p:ext>
     </p:extLst>
   </p:cSld>
@@ -768,7 +772,8 @@
           <a:p>
             <a:fld id="{5199138E-5DCF-4427-B81A-CB317F5E5DFC}" type="datetimeFigureOut">
               <a:rPr lang="zh-CN" altLang="en-US" smtClean="0"/>
-              <a:t>2017/3/20</a:t>
+              <a:pPr/>
+              <a:t>2017/4/11</a:t>
             </a:fld>
             <a:endParaRPr lang="zh-CN" altLang="en-US"/>
           </a:p>
@@ -810,6 +815,7 @@
           <a:p>
             <a:fld id="{9BFB8255-64D8-4E2A-9E31-3258F06BA3BA}" type="slidenum">
               <a:rPr lang="zh-CN" altLang="en-US" smtClean="0"/>
+              <a:pPr/>
               <a:t>‹#›</a:t>
             </a:fld>
             <a:endParaRPr lang="zh-CN" altLang="en-US"/>
@@ -819,7 +825,7 @@
     </p:spTree>
     <p:extLst>
       <p:ext uri="{BB962C8B-B14F-4D97-AF65-F5344CB8AC3E}">
-        <p14:creationId xmlns:p14="http://schemas.microsoft.com/office/powerpoint/2010/main" val="2115898835"/>
+        <p14:creationId xmlns:p14="http://schemas.microsoft.com/office/powerpoint/2010/main" xmlns="" val="2115898835"/>
       </p:ext>
     </p:extLst>
   </p:cSld>
@@ -936,7 +942,8 @@
           <a:p>
             <a:fld id="{5199138E-5DCF-4427-B81A-CB317F5E5DFC}" type="datetimeFigureOut">
               <a:rPr lang="zh-CN" altLang="en-US" smtClean="0"/>
-              <a:t>2017/3/20</a:t>
+              <a:pPr/>
+              <a:t>2017/4/11</a:t>
             </a:fld>
             <a:endParaRPr lang="zh-CN" altLang="en-US"/>
           </a:p>
@@ -978,6 +985,7 @@
           <a:p>
             <a:fld id="{9BFB8255-64D8-4E2A-9E31-3258F06BA3BA}" type="slidenum">
               <a:rPr lang="zh-CN" altLang="en-US" smtClean="0"/>
+              <a:pPr/>
               <a:t>‹#›</a:t>
             </a:fld>
             <a:endParaRPr lang="zh-CN" altLang="en-US"/>
@@ -987,7 +995,7 @@
     </p:spTree>
     <p:extLst>
       <p:ext uri="{BB962C8B-B14F-4D97-AF65-F5344CB8AC3E}">
-        <p14:creationId xmlns:p14="http://schemas.microsoft.com/office/powerpoint/2010/main" val="2005352884"/>
+        <p14:creationId xmlns:p14="http://schemas.microsoft.com/office/powerpoint/2010/main" xmlns="" val="2005352884"/>
       </p:ext>
     </p:extLst>
   </p:cSld>
@@ -1114,7 +1122,8 @@
           <a:p>
             <a:fld id="{5199138E-5DCF-4427-B81A-CB317F5E5DFC}" type="datetimeFigureOut">
               <a:rPr lang="zh-CN" altLang="en-US" smtClean="0"/>
-              <a:t>2017/3/20</a:t>
+              <a:pPr/>
+              <a:t>2017/4/11</a:t>
             </a:fld>
             <a:endParaRPr lang="zh-CN" altLang="en-US"/>
           </a:p>
@@ -1156,6 +1165,7 @@
           <a:p>
             <a:fld id="{9BFB8255-64D8-4E2A-9E31-3258F06BA3BA}" type="slidenum">
               <a:rPr lang="zh-CN" altLang="en-US" smtClean="0"/>
+              <a:pPr/>
               <a:t>‹#›</a:t>
             </a:fld>
             <a:endParaRPr lang="zh-CN" altLang="en-US"/>
@@ -1165,7 +1175,7 @@
     </p:spTree>
     <p:extLst>
       <p:ext uri="{BB962C8B-B14F-4D97-AF65-F5344CB8AC3E}">
-        <p14:creationId xmlns:p14="http://schemas.microsoft.com/office/powerpoint/2010/main" val="848087817"/>
+        <p14:creationId xmlns:p14="http://schemas.microsoft.com/office/powerpoint/2010/main" xmlns="" val="848087817"/>
       </p:ext>
     </p:extLst>
   </p:cSld>
@@ -1282,7 +1292,8 @@
           <a:p>
             <a:fld id="{5199138E-5DCF-4427-B81A-CB317F5E5DFC}" type="datetimeFigureOut">
               <a:rPr lang="zh-CN" altLang="en-US" smtClean="0"/>
-              <a:t>2017/3/20</a:t>
+              <a:pPr/>
+              <a:t>2017/4/11</a:t>
             </a:fld>
             <a:endParaRPr lang="zh-CN" altLang="en-US"/>
           </a:p>
@@ -1324,6 +1335,7 @@
           <a:p>
             <a:fld id="{9BFB8255-64D8-4E2A-9E31-3258F06BA3BA}" type="slidenum">
               <a:rPr lang="zh-CN" altLang="en-US" smtClean="0"/>
+              <a:pPr/>
               <a:t>‹#›</a:t>
             </a:fld>
             <a:endParaRPr lang="zh-CN" altLang="en-US"/>
@@ -1333,7 +1345,7 @@
     </p:spTree>
     <p:extLst>
       <p:ext uri="{BB962C8B-B14F-4D97-AF65-F5344CB8AC3E}">
-        <p14:creationId xmlns:p14="http://schemas.microsoft.com/office/powerpoint/2010/main" val="1037827392"/>
+        <p14:creationId xmlns:p14="http://schemas.microsoft.com/office/powerpoint/2010/main" xmlns="" val="1037827392"/>
       </p:ext>
     </p:extLst>
   </p:cSld>
@@ -1527,7 +1539,8 @@
           <a:p>
             <a:fld id="{5199138E-5DCF-4427-B81A-CB317F5E5DFC}" type="datetimeFigureOut">
               <a:rPr lang="zh-CN" altLang="en-US" smtClean="0"/>
-              <a:t>2017/3/20</a:t>
+              <a:pPr/>
+              <a:t>2017/4/11</a:t>
             </a:fld>
             <a:endParaRPr lang="zh-CN" altLang="en-US"/>
           </a:p>
@@ -1569,6 +1582,7 @@
           <a:p>
             <a:fld id="{9BFB8255-64D8-4E2A-9E31-3258F06BA3BA}" type="slidenum">
               <a:rPr lang="zh-CN" altLang="en-US" smtClean="0"/>
+              <a:pPr/>
               <a:t>‹#›</a:t>
             </a:fld>
             <a:endParaRPr lang="zh-CN" altLang="en-US"/>
@@ -1578,7 +1592,7 @@
     </p:spTree>
     <p:extLst>
       <p:ext uri="{BB962C8B-B14F-4D97-AF65-F5344CB8AC3E}">
-        <p14:creationId xmlns:p14="http://schemas.microsoft.com/office/powerpoint/2010/main" val="3241023812"/>
+        <p14:creationId xmlns:p14="http://schemas.microsoft.com/office/powerpoint/2010/main" xmlns="" val="3241023812"/>
       </p:ext>
     </p:extLst>
   </p:cSld>
@@ -1756,7 +1770,8 @@
           <a:p>
             <a:fld id="{5199138E-5DCF-4427-B81A-CB317F5E5DFC}" type="datetimeFigureOut">
               <a:rPr lang="zh-CN" altLang="en-US" smtClean="0"/>
-              <a:t>2017/3/20</a:t>
+              <a:pPr/>
+              <a:t>2017/4/11</a:t>
             </a:fld>
             <a:endParaRPr lang="zh-CN" altLang="en-US"/>
           </a:p>
@@ -1798,6 +1813,7 @@
           <a:p>
             <a:fld id="{9BFB8255-64D8-4E2A-9E31-3258F06BA3BA}" type="slidenum">
               <a:rPr lang="zh-CN" altLang="en-US" smtClean="0"/>
+              <a:pPr/>
               <a:t>‹#›</a:t>
             </a:fld>
             <a:endParaRPr lang="zh-CN" altLang="en-US"/>
@@ -1807,7 +1823,7 @@
     </p:spTree>
     <p:extLst>
       <p:ext uri="{BB962C8B-B14F-4D97-AF65-F5344CB8AC3E}">
-        <p14:creationId xmlns:p14="http://schemas.microsoft.com/office/powerpoint/2010/main" val="3234077171"/>
+        <p14:creationId xmlns:p14="http://schemas.microsoft.com/office/powerpoint/2010/main" xmlns="" val="3234077171"/>
       </p:ext>
     </p:extLst>
   </p:cSld>
@@ -2120,7 +2136,8 @@
           <a:p>
             <a:fld id="{5199138E-5DCF-4427-B81A-CB317F5E5DFC}" type="datetimeFigureOut">
               <a:rPr lang="zh-CN" altLang="en-US" smtClean="0"/>
-              <a:t>2017/3/20</a:t>
+              <a:pPr/>
+              <a:t>2017/4/11</a:t>
             </a:fld>
             <a:endParaRPr lang="zh-CN" altLang="en-US"/>
           </a:p>
@@ -2162,6 +2179,7 @@
           <a:p>
             <a:fld id="{9BFB8255-64D8-4E2A-9E31-3258F06BA3BA}" type="slidenum">
               <a:rPr lang="zh-CN" altLang="en-US" smtClean="0"/>
+              <a:pPr/>
               <a:t>‹#›</a:t>
             </a:fld>
             <a:endParaRPr lang="zh-CN" altLang="en-US"/>
@@ -2171,7 +2189,7 @@
     </p:spTree>
     <p:extLst>
       <p:ext uri="{BB962C8B-B14F-4D97-AF65-F5344CB8AC3E}">
-        <p14:creationId xmlns:p14="http://schemas.microsoft.com/office/powerpoint/2010/main" val="551672737"/>
+        <p14:creationId xmlns:p14="http://schemas.microsoft.com/office/powerpoint/2010/main" xmlns="" val="551672737"/>
       </p:ext>
     </p:extLst>
   </p:cSld>
@@ -2237,7 +2255,8 @@
           <a:p>
             <a:fld id="{5199138E-5DCF-4427-B81A-CB317F5E5DFC}" type="datetimeFigureOut">
               <a:rPr lang="zh-CN" altLang="en-US" smtClean="0"/>
-              <a:t>2017/3/20</a:t>
+              <a:pPr/>
+              <a:t>2017/4/11</a:t>
             </a:fld>
             <a:endParaRPr lang="zh-CN" altLang="en-US"/>
           </a:p>
@@ -2279,6 +2298,7 @@
           <a:p>
             <a:fld id="{9BFB8255-64D8-4E2A-9E31-3258F06BA3BA}" type="slidenum">
               <a:rPr lang="zh-CN" altLang="en-US" smtClean="0"/>
+              <a:pPr/>
               <a:t>‹#›</a:t>
             </a:fld>
             <a:endParaRPr lang="zh-CN" altLang="en-US"/>
@@ -2288,7 +2308,7 @@
     </p:spTree>
     <p:extLst>
       <p:ext uri="{BB962C8B-B14F-4D97-AF65-F5344CB8AC3E}">
-        <p14:creationId xmlns:p14="http://schemas.microsoft.com/office/powerpoint/2010/main" val="2493416838"/>
+        <p14:creationId xmlns:p14="http://schemas.microsoft.com/office/powerpoint/2010/main" xmlns="" val="2493416838"/>
       </p:ext>
     </p:extLst>
   </p:cSld>
@@ -2332,7 +2352,8 @@
           <a:p>
             <a:fld id="{5199138E-5DCF-4427-B81A-CB317F5E5DFC}" type="datetimeFigureOut">
               <a:rPr lang="zh-CN" altLang="en-US" smtClean="0"/>
-              <a:t>2017/3/20</a:t>
+              <a:pPr/>
+              <a:t>2017/4/11</a:t>
             </a:fld>
             <a:endParaRPr lang="zh-CN" altLang="en-US"/>
           </a:p>
@@ -2374,6 +2395,7 @@
           <a:p>
             <a:fld id="{9BFB8255-64D8-4E2A-9E31-3258F06BA3BA}" type="slidenum">
               <a:rPr lang="zh-CN" altLang="en-US" smtClean="0"/>
+              <a:pPr/>
               <a:t>‹#›</a:t>
             </a:fld>
             <a:endParaRPr lang="zh-CN" altLang="en-US"/>
@@ -2383,7 +2405,7 @@
     </p:spTree>
     <p:extLst>
       <p:ext uri="{BB962C8B-B14F-4D97-AF65-F5344CB8AC3E}">
-        <p14:creationId xmlns:p14="http://schemas.microsoft.com/office/powerpoint/2010/main" val="3282407254"/>
+        <p14:creationId xmlns:p14="http://schemas.microsoft.com/office/powerpoint/2010/main" xmlns="" val="3282407254"/>
       </p:ext>
     </p:extLst>
   </p:cSld>
@@ -2607,7 +2629,8 @@
           <a:p>
             <a:fld id="{5199138E-5DCF-4427-B81A-CB317F5E5DFC}" type="datetimeFigureOut">
               <a:rPr lang="zh-CN" altLang="en-US" smtClean="0"/>
-              <a:t>2017/3/20</a:t>
+              <a:pPr/>
+              <a:t>2017/4/11</a:t>
             </a:fld>
             <a:endParaRPr lang="zh-CN" altLang="en-US"/>
           </a:p>
@@ -2649,6 +2672,7 @@
           <a:p>
             <a:fld id="{9BFB8255-64D8-4E2A-9E31-3258F06BA3BA}" type="slidenum">
               <a:rPr lang="zh-CN" altLang="en-US" smtClean="0"/>
+              <a:pPr/>
               <a:t>‹#›</a:t>
             </a:fld>
             <a:endParaRPr lang="zh-CN" altLang="en-US"/>
@@ -2658,7 +2682,7 @@
     </p:spTree>
     <p:extLst>
       <p:ext uri="{BB962C8B-B14F-4D97-AF65-F5344CB8AC3E}">
-        <p14:creationId xmlns:p14="http://schemas.microsoft.com/office/powerpoint/2010/main" val="1970872383"/>
+        <p14:creationId xmlns:p14="http://schemas.microsoft.com/office/powerpoint/2010/main" xmlns="" val="1970872383"/>
       </p:ext>
     </p:extLst>
   </p:cSld>
@@ -2859,7 +2883,8 @@
           <a:p>
             <a:fld id="{5199138E-5DCF-4427-B81A-CB317F5E5DFC}" type="datetimeFigureOut">
               <a:rPr lang="zh-CN" altLang="en-US" smtClean="0"/>
-              <a:t>2017/3/20</a:t>
+              <a:pPr/>
+              <a:t>2017/4/11</a:t>
             </a:fld>
             <a:endParaRPr lang="zh-CN" altLang="en-US"/>
           </a:p>
@@ -2901,6 +2926,7 @@
           <a:p>
             <a:fld id="{9BFB8255-64D8-4E2A-9E31-3258F06BA3BA}" type="slidenum">
               <a:rPr lang="zh-CN" altLang="en-US" smtClean="0"/>
+              <a:pPr/>
               <a:t>‹#›</a:t>
             </a:fld>
             <a:endParaRPr lang="zh-CN" altLang="en-US"/>
@@ -2910,7 +2936,7 @@
     </p:spTree>
     <p:extLst>
       <p:ext uri="{BB962C8B-B14F-4D97-AF65-F5344CB8AC3E}">
-        <p14:creationId xmlns:p14="http://schemas.microsoft.com/office/powerpoint/2010/main" val="727286950"/>
+        <p14:creationId xmlns:p14="http://schemas.microsoft.com/office/powerpoint/2010/main" xmlns="" val="727286950"/>
       </p:ext>
     </p:extLst>
   </p:cSld>
@@ -3070,7 +3096,8 @@
           <a:p>
             <a:fld id="{5199138E-5DCF-4427-B81A-CB317F5E5DFC}" type="datetimeFigureOut">
               <a:rPr lang="zh-CN" altLang="en-US" smtClean="0"/>
-              <a:t>2017/3/20</a:t>
+              <a:pPr/>
+              <a:t>2017/4/11</a:t>
             </a:fld>
             <a:endParaRPr lang="zh-CN" altLang="en-US"/>
           </a:p>
@@ -3148,6 +3175,7 @@
           <a:p>
             <a:fld id="{9BFB8255-64D8-4E2A-9E31-3258F06BA3BA}" type="slidenum">
               <a:rPr lang="zh-CN" altLang="en-US" smtClean="0"/>
+              <a:pPr/>
               <a:t>‹#›</a:t>
             </a:fld>
             <a:endParaRPr lang="zh-CN" altLang="en-US"/>
@@ -3157,7 +3185,7 @@
     </p:spTree>
     <p:extLst>
       <p:ext uri="{BB962C8B-B14F-4D97-AF65-F5344CB8AC3E}">
-        <p14:creationId xmlns:p14="http://schemas.microsoft.com/office/powerpoint/2010/main" val="3062038440"/>
+        <p14:creationId xmlns:p14="http://schemas.microsoft.com/office/powerpoint/2010/main" xmlns="" val="3062038440"/>
       </p:ext>
     </p:extLst>
   </p:cSld>
@@ -3521,17 +3549,14 @@
             </a:r>
           </a:p>
           <a:p>
-            <a:r>
-              <a:rPr lang="zh-CN" altLang="en-US" dirty="0"/>
-              <a:t>王小飞</a:t>
-            </a:r>
+            <a:endParaRPr lang="zh-CN" altLang="en-US" dirty="0"/>
           </a:p>
         </p:txBody>
       </p:sp>
     </p:spTree>
     <p:extLst>
       <p:ext uri="{BB962C8B-B14F-4D97-AF65-F5344CB8AC3E}">
-        <p14:creationId xmlns:p14="http://schemas.microsoft.com/office/powerpoint/2010/main" val="2710404272"/>
+        <p14:creationId xmlns:p14="http://schemas.microsoft.com/office/powerpoint/2010/main" xmlns="" val="2710404272"/>
       </p:ext>
     </p:extLst>
   </p:cSld>
@@ -5005,7 +5030,7 @@
     </p:spTree>
     <p:extLst>
       <p:ext uri="{BB962C8B-B14F-4D97-AF65-F5344CB8AC3E}">
-        <p14:creationId xmlns:p14="http://schemas.microsoft.com/office/powerpoint/2010/main" val="3568829261"/>
+        <p14:creationId xmlns:p14="http://schemas.microsoft.com/office/powerpoint/2010/main" xmlns="" val="3568829261"/>
       </p:ext>
     </p:extLst>
   </p:cSld>
@@ -6700,7 +6725,7 @@
     </p:spTree>
     <p:extLst>
       <p:ext uri="{BB962C8B-B14F-4D97-AF65-F5344CB8AC3E}">
-        <p14:creationId xmlns:p14="http://schemas.microsoft.com/office/powerpoint/2010/main" val="3801866366"/>
+        <p14:creationId xmlns:p14="http://schemas.microsoft.com/office/powerpoint/2010/main" xmlns="" val="3801866366"/>
       </p:ext>
     </p:extLst>
   </p:cSld>
@@ -6766,7 +6791,7 @@
           <p:nvPr/>
         </p:nvPicPr>
         <p:blipFill>
-          <a:blip r:embed="rId2"/>
+          <a:blip r:embed="rId2" cstate="print"/>
           <a:stretch>
             <a:fillRect/>
           </a:stretch>
@@ -6784,7 +6809,7 @@
     </p:spTree>
     <p:extLst>
       <p:ext uri="{BB962C8B-B14F-4D97-AF65-F5344CB8AC3E}">
-        <p14:creationId xmlns:p14="http://schemas.microsoft.com/office/powerpoint/2010/main" val="1692348850"/>
+        <p14:creationId xmlns:p14="http://schemas.microsoft.com/office/powerpoint/2010/main" xmlns="" val="1692348850"/>
       </p:ext>
     </p:extLst>
   </p:cSld>
@@ -8835,7 +8860,7 @@
     </p:spTree>
     <p:extLst>
       <p:ext uri="{BB962C8B-B14F-4D97-AF65-F5344CB8AC3E}">
-        <p14:creationId xmlns:p14="http://schemas.microsoft.com/office/powerpoint/2010/main" val="4063316604"/>
+        <p14:creationId xmlns:p14="http://schemas.microsoft.com/office/powerpoint/2010/main" xmlns="" val="4063316604"/>
       </p:ext>
     </p:extLst>
   </p:cSld>
@@ -8902,7 +8927,7 @@
           <p:nvPr>
             <p:extLst>
               <p:ext uri="{D42A27DB-BD31-4B8C-83A1-F6EECF244321}">
-                <p14:modId xmlns:p14="http://schemas.microsoft.com/office/powerpoint/2010/main" val="1680894334"/>
+                <p14:modId xmlns:p14="http://schemas.microsoft.com/office/powerpoint/2010/main" xmlns="" val="1680894334"/>
               </p:ext>
             </p:extLst>
           </p:nvPr>
@@ -8921,49 +8946,49 @@
                 <a:gridCol w="1378875">
                   <a:extLst>
                     <a:ext uri="{9D8B030D-6E8A-4147-A177-3AD203B41FA5}">
-                      <a16:colId xmlns:a16="http://schemas.microsoft.com/office/drawing/2014/main" val="153120826"/>
+                      <a16:colId xmlns:a16="http://schemas.microsoft.com/office/drawing/2014/main" xmlns="" val="153120826"/>
                     </a:ext>
                   </a:extLst>
                 </a:gridCol>
                 <a:gridCol w="1378875">
                   <a:extLst>
                     <a:ext uri="{9D8B030D-6E8A-4147-A177-3AD203B41FA5}">
-                      <a16:colId xmlns:a16="http://schemas.microsoft.com/office/drawing/2014/main" val="1694780235"/>
+                      <a16:colId xmlns:a16="http://schemas.microsoft.com/office/drawing/2014/main" xmlns="" val="1694780235"/>
                     </a:ext>
                   </a:extLst>
                 </a:gridCol>
                 <a:gridCol w="1378875">
                   <a:extLst>
                     <a:ext uri="{9D8B030D-6E8A-4147-A177-3AD203B41FA5}">
-                      <a16:colId xmlns:a16="http://schemas.microsoft.com/office/drawing/2014/main" val="4206979087"/>
+                      <a16:colId xmlns:a16="http://schemas.microsoft.com/office/drawing/2014/main" xmlns="" val="4206979087"/>
                     </a:ext>
                   </a:extLst>
                 </a:gridCol>
                 <a:gridCol w="2404581">
                   <a:extLst>
                     <a:ext uri="{9D8B030D-6E8A-4147-A177-3AD203B41FA5}">
-                      <a16:colId xmlns:a16="http://schemas.microsoft.com/office/drawing/2014/main" val="2748597971"/>
+                      <a16:colId xmlns:a16="http://schemas.microsoft.com/office/drawing/2014/main" xmlns="" val="2748597971"/>
                     </a:ext>
                   </a:extLst>
                 </a:gridCol>
                 <a:gridCol w="1378875">
                   <a:extLst>
                     <a:ext uri="{9D8B030D-6E8A-4147-A177-3AD203B41FA5}">
-                      <a16:colId xmlns:a16="http://schemas.microsoft.com/office/drawing/2014/main" val="3962285420"/>
+                      <a16:colId xmlns:a16="http://schemas.microsoft.com/office/drawing/2014/main" xmlns="" val="3962285420"/>
                     </a:ext>
                   </a:extLst>
                 </a:gridCol>
                 <a:gridCol w="1378875">
                   <a:extLst>
                     <a:ext uri="{9D8B030D-6E8A-4147-A177-3AD203B41FA5}">
-                      <a16:colId xmlns:a16="http://schemas.microsoft.com/office/drawing/2014/main" val="881223288"/>
+                      <a16:colId xmlns:a16="http://schemas.microsoft.com/office/drawing/2014/main" xmlns="" val="881223288"/>
                     </a:ext>
                   </a:extLst>
                 </a:gridCol>
                 <a:gridCol w="1378875">
                   <a:extLst>
                     <a:ext uri="{9D8B030D-6E8A-4147-A177-3AD203B41FA5}">
-                      <a16:colId xmlns:a16="http://schemas.microsoft.com/office/drawing/2014/main" val="2602221938"/>
+                      <a16:colId xmlns:a16="http://schemas.microsoft.com/office/drawing/2014/main" xmlns="" val="2602221938"/>
                     </a:ext>
                   </a:extLst>
                 </a:gridCol>
@@ -9048,7 +9073,7 @@
                 </a:tc>
                 <a:extLst>
                   <a:ext uri="{0D108BD9-81ED-4DB2-BD59-A6C34878D82A}">
-                    <a16:rowId xmlns:a16="http://schemas.microsoft.com/office/drawing/2014/main" val="2986910118"/>
+                    <a16:rowId xmlns:a16="http://schemas.microsoft.com/office/drawing/2014/main" xmlns="" val="2986910118"/>
                   </a:ext>
                 </a:extLst>
               </a:tr>
@@ -9180,7 +9205,7 @@
                 </a:tc>
                 <a:extLst>
                   <a:ext uri="{0D108BD9-81ED-4DB2-BD59-A6C34878D82A}">
-                    <a16:rowId xmlns:a16="http://schemas.microsoft.com/office/drawing/2014/main" val="4244139354"/>
+                    <a16:rowId xmlns:a16="http://schemas.microsoft.com/office/drawing/2014/main" xmlns="" val="4244139354"/>
                   </a:ext>
                 </a:extLst>
               </a:tr>
@@ -9305,7 +9330,7 @@
     </p:spTree>
     <p:extLst>
       <p:ext uri="{BB962C8B-B14F-4D97-AF65-F5344CB8AC3E}">
-        <p14:creationId xmlns:p14="http://schemas.microsoft.com/office/powerpoint/2010/main" val="1218978251"/>
+        <p14:creationId xmlns:p14="http://schemas.microsoft.com/office/powerpoint/2010/main" xmlns="" val="1218978251"/>
       </p:ext>
     </p:extLst>
   </p:cSld>
@@ -9341,7 +9366,7 @@
           <p:nvPr>
             <p:extLst>
               <p:ext uri="{D42A27DB-BD31-4B8C-83A1-F6EECF244321}">
-                <p14:modId xmlns:p14="http://schemas.microsoft.com/office/powerpoint/2010/main" val="3881905496"/>
+                <p14:modId xmlns:p14="http://schemas.microsoft.com/office/powerpoint/2010/main" xmlns="" val="3881905496"/>
               </p:ext>
             </p:extLst>
           </p:nvPr>
@@ -9360,42 +9385,42 @@
                 <a:gridCol w="1828799">
                   <a:extLst>
                     <a:ext uri="{9D8B030D-6E8A-4147-A177-3AD203B41FA5}">
-                      <a16:colId xmlns:a16="http://schemas.microsoft.com/office/drawing/2014/main" val="3920387307"/>
+                      <a16:colId xmlns:a16="http://schemas.microsoft.com/office/drawing/2014/main" xmlns="" val="3920387307"/>
                     </a:ext>
                   </a:extLst>
                 </a:gridCol>
                 <a:gridCol w="2214563">
                   <a:extLst>
                     <a:ext uri="{9D8B030D-6E8A-4147-A177-3AD203B41FA5}">
-                      <a16:colId xmlns:a16="http://schemas.microsoft.com/office/drawing/2014/main" val="1125068553"/>
+                      <a16:colId xmlns:a16="http://schemas.microsoft.com/office/drawing/2014/main" xmlns="" val="1125068553"/>
                     </a:ext>
                   </a:extLst>
                 </a:gridCol>
                 <a:gridCol w="2243138">
                   <a:extLst>
                     <a:ext uri="{9D8B030D-6E8A-4147-A177-3AD203B41FA5}">
-                      <a16:colId xmlns:a16="http://schemas.microsoft.com/office/drawing/2014/main" val="1435280362"/>
+                      <a16:colId xmlns:a16="http://schemas.microsoft.com/office/drawing/2014/main" xmlns="" val="1435280362"/>
                     </a:ext>
                   </a:extLst>
                 </a:gridCol>
                 <a:gridCol w="1828800">
                   <a:extLst>
                     <a:ext uri="{9D8B030D-6E8A-4147-A177-3AD203B41FA5}">
-                      <a16:colId xmlns:a16="http://schemas.microsoft.com/office/drawing/2014/main" val="320168361"/>
+                      <a16:colId xmlns:a16="http://schemas.microsoft.com/office/drawing/2014/main" xmlns="" val="320168361"/>
                     </a:ext>
                   </a:extLst>
                 </a:gridCol>
                 <a:gridCol w="1543050">
                   <a:extLst>
                     <a:ext uri="{9D8B030D-6E8A-4147-A177-3AD203B41FA5}">
-                      <a16:colId xmlns:a16="http://schemas.microsoft.com/office/drawing/2014/main" val="1793905530"/>
+                      <a16:colId xmlns:a16="http://schemas.microsoft.com/office/drawing/2014/main" xmlns="" val="1793905530"/>
                     </a:ext>
                   </a:extLst>
                 </a:gridCol>
                 <a:gridCol w="2243138">
                   <a:extLst>
                     <a:ext uri="{9D8B030D-6E8A-4147-A177-3AD203B41FA5}">
-                      <a16:colId xmlns:a16="http://schemas.microsoft.com/office/drawing/2014/main" val="1679645181"/>
+                      <a16:colId xmlns:a16="http://schemas.microsoft.com/office/drawing/2014/main" xmlns="" val="1679645181"/>
                     </a:ext>
                   </a:extLst>
                 </a:gridCol>
@@ -9587,7 +9612,7 @@
                 </a:tc>
                 <a:extLst>
                   <a:ext uri="{0D108BD9-81ED-4DB2-BD59-A6C34878D82A}">
-                    <a16:rowId xmlns:a16="http://schemas.microsoft.com/office/drawing/2014/main" val="1329193549"/>
+                    <a16:rowId xmlns:a16="http://schemas.microsoft.com/office/drawing/2014/main" xmlns="" val="1329193549"/>
                   </a:ext>
                 </a:extLst>
               </a:tr>
@@ -9787,7 +9812,7 @@
                 </a:tc>
                 <a:extLst>
                   <a:ext uri="{0D108BD9-81ED-4DB2-BD59-A6C34878D82A}">
-                    <a16:rowId xmlns:a16="http://schemas.microsoft.com/office/drawing/2014/main" val="3446700736"/>
+                    <a16:rowId xmlns:a16="http://schemas.microsoft.com/office/drawing/2014/main" xmlns="" val="3446700736"/>
                   </a:ext>
                 </a:extLst>
               </a:tr>
@@ -10032,7 +10057,7 @@
                 </a:tc>
                 <a:extLst>
                   <a:ext uri="{0D108BD9-81ED-4DB2-BD59-A6C34878D82A}">
-                    <a16:rowId xmlns:a16="http://schemas.microsoft.com/office/drawing/2014/main" val="383133261"/>
+                    <a16:rowId xmlns:a16="http://schemas.microsoft.com/office/drawing/2014/main" xmlns="" val="383133261"/>
                   </a:ext>
                 </a:extLst>
               </a:tr>
@@ -10232,7 +10257,7 @@
                 </a:tc>
                 <a:extLst>
                   <a:ext uri="{0D108BD9-81ED-4DB2-BD59-A6C34878D82A}">
-                    <a16:rowId xmlns:a16="http://schemas.microsoft.com/office/drawing/2014/main" val="2568093132"/>
+                    <a16:rowId xmlns:a16="http://schemas.microsoft.com/office/drawing/2014/main" xmlns="" val="2568093132"/>
                   </a:ext>
                 </a:extLst>
               </a:tr>
@@ -10423,7 +10448,7 @@
                 </a:tc>
                 <a:extLst>
                   <a:ext uri="{0D108BD9-81ED-4DB2-BD59-A6C34878D82A}">
-                    <a16:rowId xmlns:a16="http://schemas.microsoft.com/office/drawing/2014/main" val="92294895"/>
+                    <a16:rowId xmlns:a16="http://schemas.microsoft.com/office/drawing/2014/main" xmlns="" val="92294895"/>
                   </a:ext>
                 </a:extLst>
               </a:tr>
@@ -10606,7 +10631,7 @@
                 </a:tc>
                 <a:extLst>
                   <a:ext uri="{0D108BD9-81ED-4DB2-BD59-A6C34878D82A}">
-                    <a16:rowId xmlns:a16="http://schemas.microsoft.com/office/drawing/2014/main" val="3440500815"/>
+                    <a16:rowId xmlns:a16="http://schemas.microsoft.com/office/drawing/2014/main" xmlns="" val="3440500815"/>
                   </a:ext>
                 </a:extLst>
               </a:tr>
@@ -10778,7 +10803,7 @@
                 </a:tc>
                 <a:extLst>
                   <a:ext uri="{0D108BD9-81ED-4DB2-BD59-A6C34878D82A}">
-                    <a16:rowId xmlns:a16="http://schemas.microsoft.com/office/drawing/2014/main" val="3692962261"/>
+                    <a16:rowId xmlns:a16="http://schemas.microsoft.com/office/drawing/2014/main" xmlns="" val="3692962261"/>
                   </a:ext>
                 </a:extLst>
               </a:tr>
@@ -11023,7 +11048,7 @@
                 </a:tc>
                 <a:extLst>
                   <a:ext uri="{0D108BD9-81ED-4DB2-BD59-A6C34878D82A}">
-                    <a16:rowId xmlns:a16="http://schemas.microsoft.com/office/drawing/2014/main" val="732624368"/>
+                    <a16:rowId xmlns:a16="http://schemas.microsoft.com/office/drawing/2014/main" xmlns="" val="732624368"/>
                   </a:ext>
                 </a:extLst>
               </a:tr>
@@ -11208,7 +11233,7 @@
                 </a:tc>
                 <a:extLst>
                   <a:ext uri="{0D108BD9-81ED-4DB2-BD59-A6C34878D82A}">
-                    <a16:rowId xmlns:a16="http://schemas.microsoft.com/office/drawing/2014/main" val="2913517357"/>
+                    <a16:rowId xmlns:a16="http://schemas.microsoft.com/office/drawing/2014/main" xmlns="" val="2913517357"/>
                   </a:ext>
                 </a:extLst>
               </a:tr>
@@ -11414,7 +11439,7 @@
                 </a:tc>
                 <a:extLst>
                   <a:ext uri="{0D108BD9-81ED-4DB2-BD59-A6C34878D82A}">
-                    <a16:rowId xmlns:a16="http://schemas.microsoft.com/office/drawing/2014/main" val="1535423672"/>
+                    <a16:rowId xmlns:a16="http://schemas.microsoft.com/office/drawing/2014/main" xmlns="" val="1535423672"/>
                   </a:ext>
                 </a:extLst>
               </a:tr>
@@ -11599,7 +11624,7 @@
                 </a:tc>
                 <a:extLst>
                   <a:ext uri="{0D108BD9-81ED-4DB2-BD59-A6C34878D82A}">
-                    <a16:rowId xmlns:a16="http://schemas.microsoft.com/office/drawing/2014/main" val="2579511997"/>
+                    <a16:rowId xmlns:a16="http://schemas.microsoft.com/office/drawing/2014/main" xmlns="" val="2579511997"/>
                   </a:ext>
                 </a:extLst>
               </a:tr>
@@ -11760,7 +11785,7 @@
                 </a:tc>
                 <a:extLst>
                   <a:ext uri="{0D108BD9-81ED-4DB2-BD59-A6C34878D82A}">
-                    <a16:rowId xmlns:a16="http://schemas.microsoft.com/office/drawing/2014/main" val="3590376684"/>
+                    <a16:rowId xmlns:a16="http://schemas.microsoft.com/office/drawing/2014/main" xmlns="" val="3590376684"/>
                   </a:ext>
                 </a:extLst>
               </a:tr>
@@ -11884,7 +11909,7 @@
                 </a:tc>
                 <a:extLst>
                   <a:ext uri="{0D108BD9-81ED-4DB2-BD59-A6C34878D82A}">
-                    <a16:rowId xmlns:a16="http://schemas.microsoft.com/office/drawing/2014/main" val="2731088642"/>
+                    <a16:rowId xmlns:a16="http://schemas.microsoft.com/office/drawing/2014/main" xmlns="" val="2731088642"/>
                   </a:ext>
                 </a:extLst>
               </a:tr>
@@ -12051,7 +12076,7 @@
                 </a:tc>
                 <a:extLst>
                   <a:ext uri="{0D108BD9-81ED-4DB2-BD59-A6C34878D82A}">
-                    <a16:rowId xmlns:a16="http://schemas.microsoft.com/office/drawing/2014/main" val="1108254777"/>
+                    <a16:rowId xmlns:a16="http://schemas.microsoft.com/office/drawing/2014/main" xmlns="" val="1108254777"/>
                   </a:ext>
                 </a:extLst>
               </a:tr>
@@ -12218,7 +12243,7 @@
                 </a:tc>
                 <a:extLst>
                   <a:ext uri="{0D108BD9-81ED-4DB2-BD59-A6C34878D82A}">
-                    <a16:rowId xmlns:a16="http://schemas.microsoft.com/office/drawing/2014/main" val="1972037150"/>
+                    <a16:rowId xmlns:a16="http://schemas.microsoft.com/office/drawing/2014/main" xmlns="" val="1972037150"/>
                   </a:ext>
                 </a:extLst>
               </a:tr>
@@ -12260,7 +12285,7 @@
     </p:spTree>
     <p:extLst>
       <p:ext uri="{BB962C8B-B14F-4D97-AF65-F5344CB8AC3E}">
-        <p14:creationId xmlns:p14="http://schemas.microsoft.com/office/powerpoint/2010/main" val="183787150"/>
+        <p14:creationId xmlns:p14="http://schemas.microsoft.com/office/powerpoint/2010/main" xmlns="" val="183787150"/>
       </p:ext>
     </p:extLst>
   </p:cSld>
@@ -12327,7 +12352,7 @@
           <p:nvPr>
             <p:extLst>
               <p:ext uri="{D42A27DB-BD31-4B8C-83A1-F6EECF244321}">
-                <p14:modId xmlns:p14="http://schemas.microsoft.com/office/powerpoint/2010/main" val="4293896346"/>
+                <p14:modId xmlns:p14="http://schemas.microsoft.com/office/powerpoint/2010/main" xmlns="" val="4293896346"/>
               </p:ext>
             </p:extLst>
           </p:nvPr>
@@ -12346,7 +12371,7 @@
                 <a:gridCol w="5317542">
                   <a:extLst>
                     <a:ext uri="{9D8B030D-6E8A-4147-A177-3AD203B41FA5}">
-                      <a16:colId xmlns:a16="http://schemas.microsoft.com/office/drawing/2014/main" val="1465031352"/>
+                      <a16:colId xmlns:a16="http://schemas.microsoft.com/office/drawing/2014/main" xmlns="" val="1465031352"/>
                     </a:ext>
                   </a:extLst>
                 </a:gridCol>
@@ -12368,7 +12393,7 @@
                 </a:tc>
                 <a:extLst>
                   <a:ext uri="{0D108BD9-81ED-4DB2-BD59-A6C34878D82A}">
-                    <a16:rowId xmlns:a16="http://schemas.microsoft.com/office/drawing/2014/main" val="445322204"/>
+                    <a16:rowId xmlns:a16="http://schemas.microsoft.com/office/drawing/2014/main" xmlns="" val="445322204"/>
                   </a:ext>
                 </a:extLst>
               </a:tr>
@@ -12389,7 +12414,7 @@
                 </a:tc>
                 <a:extLst>
                   <a:ext uri="{0D108BD9-81ED-4DB2-BD59-A6C34878D82A}">
-                    <a16:rowId xmlns:a16="http://schemas.microsoft.com/office/drawing/2014/main" val="4215366502"/>
+                    <a16:rowId xmlns:a16="http://schemas.microsoft.com/office/drawing/2014/main" xmlns="" val="4215366502"/>
                   </a:ext>
                 </a:extLst>
               </a:tr>
@@ -12410,7 +12435,7 @@
                 </a:tc>
                 <a:extLst>
                   <a:ext uri="{0D108BD9-81ED-4DB2-BD59-A6C34878D82A}">
-                    <a16:rowId xmlns:a16="http://schemas.microsoft.com/office/drawing/2014/main" val="4154224197"/>
+                    <a16:rowId xmlns:a16="http://schemas.microsoft.com/office/drawing/2014/main" xmlns="" val="4154224197"/>
                   </a:ext>
                 </a:extLst>
               </a:tr>
@@ -12431,7 +12456,7 @@
                 </a:tc>
                 <a:extLst>
                   <a:ext uri="{0D108BD9-81ED-4DB2-BD59-A6C34878D82A}">
-                    <a16:rowId xmlns:a16="http://schemas.microsoft.com/office/drawing/2014/main" val="3556394606"/>
+                    <a16:rowId xmlns:a16="http://schemas.microsoft.com/office/drawing/2014/main" xmlns="" val="3556394606"/>
                   </a:ext>
                 </a:extLst>
               </a:tr>
@@ -12452,7 +12477,7 @@
                 </a:tc>
                 <a:extLst>
                   <a:ext uri="{0D108BD9-81ED-4DB2-BD59-A6C34878D82A}">
-                    <a16:rowId xmlns:a16="http://schemas.microsoft.com/office/drawing/2014/main" val="3592130039"/>
+                    <a16:rowId xmlns:a16="http://schemas.microsoft.com/office/drawing/2014/main" xmlns="" val="3592130039"/>
                   </a:ext>
                 </a:extLst>
               </a:tr>
@@ -12477,7 +12502,7 @@
                 </a:tc>
                 <a:extLst>
                   <a:ext uri="{0D108BD9-81ED-4DB2-BD59-A6C34878D82A}">
-                    <a16:rowId xmlns:a16="http://schemas.microsoft.com/office/drawing/2014/main" val="3333541542"/>
+                    <a16:rowId xmlns:a16="http://schemas.microsoft.com/office/drawing/2014/main" xmlns="" val="3333541542"/>
                   </a:ext>
                 </a:extLst>
               </a:tr>
@@ -12488,7 +12513,7 @@
     </p:spTree>
     <p:extLst>
       <p:ext uri="{BB962C8B-B14F-4D97-AF65-F5344CB8AC3E}">
-        <p14:creationId xmlns:p14="http://schemas.microsoft.com/office/powerpoint/2010/main" val="498120189"/>
+        <p14:creationId xmlns:p14="http://schemas.microsoft.com/office/powerpoint/2010/main" xmlns="" val="498120189"/>
       </p:ext>
     </p:extLst>
   </p:cSld>
@@ -12541,7 +12566,7 @@
     </a:clrScheme>
     <a:fontScheme name="Office">
       <a:majorFont>
-        <a:latin typeface="等线 Light" panose="020F0302020204030204"/>
+        <a:latin typeface="等线 Light"/>
         <a:ea typeface=""/>
         <a:cs typeface=""/>
         <a:font script="Jpan" typeface="游ゴシック Light"/>
@@ -12593,7 +12618,7 @@
         <a:font script="Tfng" typeface="Ebrima"/>
       </a:majorFont>
       <a:minorFont>
-        <a:latin typeface="等线" panose="020F0502020204030204"/>
+        <a:latin typeface="等线"/>
         <a:ea typeface=""/>
         <a:cs typeface=""/>
         <a:font script="Jpan" typeface="游ゴシック"/>
@@ -12787,7 +12812,7 @@
   <a:extraClrSchemeLst/>
   <a:extLst>
     <a:ext uri="{05A4C25C-085E-4340-85A3-A5531E510DB2}">
-      <thm15:themeFamily xmlns:thm15="http://schemas.microsoft.com/office/thememl/2012/main" name="Office Theme" id="{62F939B6-93AF-4DB8-9C6B-D6C7DFDC589F}" vid="{4A3C46E8-61CC-4603-A589-7422A47A8E4A}"/>
+      <thm15:themeFamily xmlns:thm15="http://schemas.microsoft.com/office/thememl/2012/main" xmlns="" name="Office Theme" id="{62F939B6-93AF-4DB8-9C6B-D6C7DFDC589F}" vid="{4A3C46E8-61CC-4603-A589-7422A47A8E4A}"/>
     </a:ext>
   </a:extLst>
 </a:theme>
@@ -12836,7 +12861,7 @@
     </a:clrScheme>
     <a:fontScheme name="Office">
       <a:majorFont>
-        <a:latin typeface="等线 Light" panose="020F0302020204030204"/>
+        <a:latin typeface="等线 Light"/>
         <a:ea typeface=""/>
         <a:cs typeface=""/>
         <a:font script="Jpan" typeface="游ゴシック Light"/>
@@ -12888,7 +12913,7 @@
         <a:font script="Tfng" typeface="Ebrima"/>
       </a:majorFont>
       <a:minorFont>
-        <a:latin typeface="等线" panose="020F0502020204030204"/>
+        <a:latin typeface="等线"/>
         <a:ea typeface=""/>
         <a:cs typeface=""/>
         <a:font script="Jpan" typeface="游ゴシック"/>
@@ -13082,7 +13107,7 @@
   <a:extraClrSchemeLst/>
   <a:extLst>
     <a:ext uri="{05A4C25C-085E-4340-85A3-A5531E510DB2}">
-      <thm15:themeFamily xmlns:thm15="http://schemas.microsoft.com/office/thememl/2012/main" name="Office Theme" id="{62F939B6-93AF-4DB8-9C6B-D6C7DFDC589F}" vid="{4A3C46E8-61CC-4603-A589-7422A47A8E4A}"/>
+      <thm15:themeFamily xmlns:thm15="http://schemas.microsoft.com/office/thememl/2012/main" xmlns="" name="Office Theme" id="{62F939B6-93AF-4DB8-9C6B-D6C7DFDC589F}" vid="{4A3C46E8-61CC-4603-A589-7422A47A8E4A}"/>
     </a:ext>
   </a:extLst>
 </a:theme>
